--- a/Project4.pptx
+++ b/Project4.pptx
@@ -9,10 +9,11 @@
     <p:sldId id="267" r:id="rId3"/>
     <p:sldId id="266" r:id="rId4"/>
     <p:sldId id="259" r:id="rId5"/>
-    <p:sldId id="263" r:id="rId6"/>
+    <p:sldId id="272" r:id="rId6"/>
     <p:sldId id="268" r:id="rId7"/>
     <p:sldId id="269" r:id="rId8"/>
     <p:sldId id="270" r:id="rId9"/>
+    <p:sldId id="271" r:id="rId10"/>
   </p:sldIdLst>
   <p:sldSz cx="12192000" cy="6858000"/>
   <p:notesSz cx="6858000" cy="9144000"/>
@@ -111,6 +112,11 @@
       </a:defRPr>
     </a:lvl9pPr>
   </p:defaultTextStyle>
+  <p:extLst>
+    <p:ext uri="{EFAFB233-063F-42B5-8137-9DF3F51BA10A}">
+      <p15:sldGuideLst xmlns:p15="http://schemas.microsoft.com/office/powerpoint/2012/main"/>
+    </p:ext>
+  </p:extLst>
 </p:presentation>
 </file>
 
@@ -3962,6 +3968,63 @@
           </a:p>
         </p:txBody>
       </p:sp>
+      <p:sp>
+        <p:nvSpPr>
+          <p:cNvPr id="2" name="TextBox 1">
+            <a:extLst>
+              <a:ext uri="{FF2B5EF4-FFF2-40B4-BE49-F238E27FC236}">
+                <a16:creationId xmlns:a16="http://schemas.microsoft.com/office/drawing/2014/main" id="{A257795B-3468-2BF1-2F1E-2B5ECD229236}"/>
+              </a:ext>
+            </a:extLst>
+          </p:cNvPr>
+          <p:cNvSpPr txBox="1"/>
+          <p:nvPr/>
+        </p:nvSpPr>
+        <p:spPr>
+          <a:xfrm>
+            <a:off x="961663" y="2828835"/>
+            <a:ext cx="9989273" cy="1200329"/>
+          </a:xfrm>
+          <a:prstGeom prst="rect">
+            <a:avLst/>
+          </a:prstGeom>
+          <a:noFill/>
+        </p:spPr>
+        <p:txBody>
+          <a:bodyPr wrap="none" rtlCol="0">
+            <a:spAutoFit/>
+          </a:bodyPr>
+          <a:lstStyle/>
+          <a:p>
+            <a:pPr marL="285750" indent="-285750">
+              <a:buFont typeface="Arial" panose="020B0604020202020204" pitchFamily="34" charset="0"/>
+              <a:buChar char="•"/>
+            </a:pPr>
+            <a:r>
+              <a:rPr lang="en-US" sz="2400" dirty="0"/>
+              <a:t>Predict survivability using machine learning models based on given data sets</a:t>
+            </a:r>
+          </a:p>
+          <a:p>
+            <a:endParaRPr lang="en-US" sz="2400" dirty="0"/>
+          </a:p>
+          <a:p>
+            <a:pPr marL="285750" indent="-285750">
+              <a:buFont typeface="Arial" panose="020B0604020202020204" pitchFamily="34" charset="0"/>
+              <a:buChar char="•"/>
+            </a:pPr>
+            <a:r>
+              <a:rPr lang="en-US" sz="2400" dirty="0"/>
+              <a:t>Analytical Models : Supervised, Unsupervised, CNN, </a:t>
+            </a:r>
+            <a:r>
+              <a:rPr lang="en-US" sz="2400" dirty="0" err="1"/>
+              <a:t>etc</a:t>
+            </a:r>
+            <a:endParaRPr lang="en-US" sz="2400" dirty="0"/>
+          </a:p>
+        </p:txBody>
+      </p:sp>
     </p:spTree>
     <p:extLst>
       <p:ext uri="{BB962C8B-B14F-4D97-AF65-F5344CB8AC3E}">
@@ -4020,7 +4083,6 @@
           </a:bodyPr>
           <a:lstStyle/>
           <a:p>
-            <a:pPr algn="ctr"/>
             <a:r>
               <a:rPr lang="en-US" sz="4800" b="1" dirty="0"/>
               <a:t>Where are datasets from?</a:t>
@@ -4169,14 +4231,6 @@
 <file path=ppt/slides/slide5.xml><?xml version="1.0" encoding="utf-8"?>
 <p:sld xmlns:a="http://schemas.openxmlformats.org/drawingml/2006/main" xmlns:r="http://schemas.openxmlformats.org/officeDocument/2006/relationships" xmlns:p="http://schemas.openxmlformats.org/presentationml/2006/main">
   <p:cSld>
-    <p:bg>
-      <p:bgPr>
-        <a:solidFill>
-          <a:schemeClr val="bg1"/>
-        </a:solidFill>
-        <a:effectLst/>
-      </p:bgPr>
-    </p:bg>
     <p:spTree>
       <p:nvGrpSpPr>
         <p:cNvPr id="1" name=""/>
@@ -4191,39 +4245,177 @@
           <a:chExt cx="0" cy="0"/>
         </a:xfrm>
       </p:grpSpPr>
-      <p:sp useBgFill="1">
-        <p:nvSpPr>
-          <p:cNvPr id="22" name="Rectangle 21">
-            <a:extLst>
-              <a:ext uri="{FF2B5EF4-FFF2-40B4-BE49-F238E27FC236}">
-                <a16:creationId xmlns:a16="http://schemas.microsoft.com/office/drawing/2014/main" id="{4E8F40FE-293C-453F-B8A6-4278993567DF}"/>
-              </a:ext>
-              <a:ext uri="{C183D7F6-B498-43B3-948B-1728B52AA6E4}">
-                <adec:decorative xmlns:adec="http://schemas.microsoft.com/office/drawing/2017/decorative" val="1"/>
-              </a:ext>
-            </a:extLst>
-          </p:cNvPr>
-          <p:cNvSpPr>
-            <a:spLocks noGrp="1" noRot="1" noChangeAspect="1" noMove="1" noResize="1" noEditPoints="1" noAdjustHandles="1" noChangeArrowheads="1" noChangeShapeType="1" noTextEdit="1"/>
-          </p:cNvSpPr>
-          <p:nvPr>
-            <p:extLst>
-              <p:ext uri="{386F3935-93C4-4BCD-93E2-E3B085C9AB24}">
-                <p16:designElem xmlns:p16="http://schemas.microsoft.com/office/powerpoint/2015/main" val="1"/>
-              </p:ext>
-            </p:extLst>
-          </p:nvPr>
-        </p:nvSpPr>
-        <p:spPr>
-          <a:xfrm>
-            <a:off x="0" y="0"/>
-            <a:ext cx="12192000" cy="6858000"/>
+      <p:pic>
+        <p:nvPicPr>
+          <p:cNvPr id="3" name="Picture 2" descr="Chart, bar chart&#10;&#10;Description automatically generated">
+            <a:extLst>
+              <a:ext uri="{FF2B5EF4-FFF2-40B4-BE49-F238E27FC236}">
+                <a16:creationId xmlns:a16="http://schemas.microsoft.com/office/drawing/2014/main" id="{06627290-4A26-ED52-F112-306E72CAE873}"/>
+              </a:ext>
+            </a:extLst>
+          </p:cNvPr>
+          <p:cNvPicPr>
+            <a:picLocks noChangeAspect="1"/>
+          </p:cNvPicPr>
+          <p:nvPr/>
+        </p:nvPicPr>
+        <p:blipFill>
+          <a:blip r:embed="rId2">
+            <a:extLst>
+              <a:ext uri="{28A0092B-C50C-407E-A947-70E740481C1C}">
+                <a14:useLocalDpi xmlns:a14="http://schemas.microsoft.com/office/drawing/2010/main" val="0"/>
+              </a:ext>
+            </a:extLst>
+          </a:blip>
+          <a:stretch>
+            <a:fillRect/>
+          </a:stretch>
+        </p:blipFill>
+        <p:spPr>
+          <a:xfrm>
+            <a:off x="3103083" y="824462"/>
+            <a:ext cx="4252580" cy="2774808"/>
           </a:xfrm>
           <a:prstGeom prst="rect">
             <a:avLst/>
           </a:prstGeom>
+        </p:spPr>
+      </p:pic>
+      <p:pic>
+        <p:nvPicPr>
+          <p:cNvPr id="4" name="Picture 3" descr="Chart, bar chart&#10;&#10;Description automatically generated">
+            <a:extLst>
+              <a:ext uri="{FF2B5EF4-FFF2-40B4-BE49-F238E27FC236}">
+                <a16:creationId xmlns:a16="http://schemas.microsoft.com/office/drawing/2014/main" id="{D6A4467B-A117-D923-490C-B11827966941}"/>
+              </a:ext>
+            </a:extLst>
+          </p:cNvPr>
+          <p:cNvPicPr>
+            <a:picLocks noChangeAspect="1"/>
+          </p:cNvPicPr>
+          <p:nvPr/>
+        </p:nvPicPr>
+        <p:blipFill>
+          <a:blip r:embed="rId3">
+            <a:extLst>
+              <a:ext uri="{28A0092B-C50C-407E-A947-70E740481C1C}">
+                <a14:useLocalDpi xmlns:a14="http://schemas.microsoft.com/office/drawing/2010/main" val="0"/>
+              </a:ext>
+            </a:extLst>
+          </a:blip>
+          <a:stretch>
+            <a:fillRect/>
+          </a:stretch>
+        </p:blipFill>
+        <p:spPr>
+          <a:xfrm>
+            <a:off x="7627668" y="824462"/>
+            <a:ext cx="4234557" cy="2752462"/>
+          </a:xfrm>
+          <a:prstGeom prst="rect">
+            <a:avLst/>
+          </a:prstGeom>
+        </p:spPr>
+      </p:pic>
+      <p:pic>
+        <p:nvPicPr>
+          <p:cNvPr id="5" name="Picture 4" descr="Chart, bar chart, waterfall chart&#10;&#10;Description automatically generated">
+            <a:extLst>
+              <a:ext uri="{FF2B5EF4-FFF2-40B4-BE49-F238E27FC236}">
+                <a16:creationId xmlns:a16="http://schemas.microsoft.com/office/drawing/2014/main" id="{12B789F2-33E3-F725-D7CE-F17114567975}"/>
+              </a:ext>
+            </a:extLst>
+          </p:cNvPr>
+          <p:cNvPicPr>
+            <a:picLocks noChangeAspect="1"/>
+          </p:cNvPicPr>
+          <p:nvPr/>
+        </p:nvPicPr>
+        <p:blipFill>
+          <a:blip r:embed="rId4">
+            <a:extLst>
+              <a:ext uri="{28A0092B-C50C-407E-A947-70E740481C1C}">
+                <a14:useLocalDpi xmlns:a14="http://schemas.microsoft.com/office/drawing/2010/main" val="0"/>
+              </a:ext>
+            </a:extLst>
+          </a:blip>
+          <a:stretch>
+            <a:fillRect/>
+          </a:stretch>
+        </p:blipFill>
+        <p:spPr>
+          <a:xfrm>
+            <a:off x="7477158" y="3850410"/>
+            <a:ext cx="4593347" cy="2445956"/>
+          </a:xfrm>
+          <a:prstGeom prst="rect">
+            <a:avLst/>
+          </a:prstGeom>
+        </p:spPr>
+      </p:pic>
+      <p:pic>
+        <p:nvPicPr>
+          <p:cNvPr id="6" name="Picture 5" descr="Chart&#10;&#10;Description automatically generated">
+            <a:extLst>
+              <a:ext uri="{FF2B5EF4-FFF2-40B4-BE49-F238E27FC236}">
+                <a16:creationId xmlns:a16="http://schemas.microsoft.com/office/drawing/2014/main" id="{EC24FCB9-5DC1-F507-023B-5FDFAA5798F8}"/>
+              </a:ext>
+            </a:extLst>
+          </p:cNvPr>
+          <p:cNvPicPr>
+            <a:picLocks noChangeAspect="1"/>
+          </p:cNvPicPr>
+          <p:nvPr/>
+        </p:nvPicPr>
+        <p:blipFill>
+          <a:blip r:embed="rId5">
+            <a:extLst>
+              <a:ext uri="{28A0092B-C50C-407E-A947-70E740481C1C}">
+                <a14:useLocalDpi xmlns:a14="http://schemas.microsoft.com/office/drawing/2010/main" val="0"/>
+              </a:ext>
+            </a:extLst>
+          </a:blip>
+          <a:stretch>
+            <a:fillRect/>
+          </a:stretch>
+        </p:blipFill>
+        <p:spPr>
+          <a:xfrm>
+            <a:off x="2944598" y="4001488"/>
+            <a:ext cx="4411065" cy="2381974"/>
+          </a:xfrm>
+          <a:prstGeom prst="rect">
+            <a:avLst/>
+          </a:prstGeom>
+        </p:spPr>
+      </p:pic>
+      <p:sp>
+        <p:nvSpPr>
+          <p:cNvPr id="7" name="Rectangle 6">
+            <a:extLst>
+              <a:ext uri="{FF2B5EF4-FFF2-40B4-BE49-F238E27FC236}">
+                <a16:creationId xmlns:a16="http://schemas.microsoft.com/office/drawing/2014/main" id="{7569AEAB-31A2-7E28-F2C3-591D5F0B5A2A}"/>
+              </a:ext>
+            </a:extLst>
+          </p:cNvPr>
+          <p:cNvSpPr/>
+          <p:nvPr/>
+        </p:nvSpPr>
+        <p:spPr>
+          <a:xfrm>
+            <a:off x="2855698" y="5022588"/>
+            <a:ext cx="158485" cy="274541"/>
+          </a:xfrm>
+          <a:prstGeom prst="rect">
+            <a:avLst/>
+          </a:prstGeom>
+          <a:solidFill>
+            <a:schemeClr val="bg1"/>
+          </a:solidFill>
           <a:ln>
-            <a:noFill/>
+            <a:solidFill>
+              <a:schemeClr val="bg1"/>
+            </a:solidFill>
           </a:ln>
         </p:spPr>
         <p:style>
@@ -4253,40 +4445,66 @@
       </p:sp>
       <p:sp>
         <p:nvSpPr>
-          <p:cNvPr id="24" name="Rectangle 23">
-            <a:extLst>
-              <a:ext uri="{FF2B5EF4-FFF2-40B4-BE49-F238E27FC236}">
-                <a16:creationId xmlns:a16="http://schemas.microsoft.com/office/drawing/2014/main" id="{481EABE0-FA8E-49A5-A966-F0539111C953}"/>
-              </a:ext>
-              <a:ext uri="{C183D7F6-B498-43B3-948B-1728B52AA6E4}">
-                <adec:decorative xmlns:adec="http://schemas.microsoft.com/office/drawing/2017/decorative" val="1"/>
-              </a:ext>
-            </a:extLst>
-          </p:cNvPr>
-          <p:cNvSpPr>
-            <a:spLocks noGrp="1" noRot="1" noChangeAspect="1" noMove="1" noResize="1" noEditPoints="1" noAdjustHandles="1" noChangeArrowheads="1" noChangeShapeType="1" noTextEdit="1"/>
-          </p:cNvSpPr>
-          <p:nvPr>
-            <p:extLst>
-              <p:ext uri="{386F3935-93C4-4BCD-93E2-E3B085C9AB24}">
-                <p16:designElem xmlns:p16="http://schemas.microsoft.com/office/powerpoint/2015/main" val="1"/>
-              </p:ext>
-            </p:extLst>
-          </p:nvPr>
-        </p:nvSpPr>
-        <p:spPr>
-          <a:xfrm rot="5400000">
-            <a:off x="786384" y="363389"/>
-            <a:ext cx="73152" cy="548640"/>
+          <p:cNvPr id="8" name="TextBox 7">
+            <a:extLst>
+              <a:ext uri="{FF2B5EF4-FFF2-40B4-BE49-F238E27FC236}">
+                <a16:creationId xmlns:a16="http://schemas.microsoft.com/office/drawing/2014/main" id="{C6E6C860-CA49-EE26-D548-69629E559850}"/>
+              </a:ext>
+            </a:extLst>
+          </p:cNvPr>
+          <p:cNvSpPr txBox="1"/>
+          <p:nvPr/>
+        </p:nvSpPr>
+        <p:spPr>
+          <a:xfrm rot="16200000">
+            <a:off x="2650416" y="4998388"/>
+            <a:ext cx="422231" cy="276999"/>
+          </a:xfrm>
+          <a:prstGeom prst="rect">
+            <a:avLst/>
+          </a:prstGeom>
+          <a:noFill/>
+        </p:spPr>
+        <p:txBody>
+          <a:bodyPr wrap="none" rtlCol="0">
+            <a:spAutoFit/>
+          </a:bodyPr>
+          <a:lstStyle/>
+          <a:p>
+            <a:r>
+              <a:rPr lang="en-US" sz="1200" dirty="0"/>
+              <a:t>Age</a:t>
+            </a:r>
+          </a:p>
+        </p:txBody>
+      </p:sp>
+      <p:sp>
+        <p:nvSpPr>
+          <p:cNvPr id="9" name="Rectangle 8">
+            <a:extLst>
+              <a:ext uri="{FF2B5EF4-FFF2-40B4-BE49-F238E27FC236}">
+                <a16:creationId xmlns:a16="http://schemas.microsoft.com/office/drawing/2014/main" id="{CA912858-BDFA-08C5-89D0-1B822067A439}"/>
+              </a:ext>
+            </a:extLst>
+          </p:cNvPr>
+          <p:cNvSpPr/>
+          <p:nvPr/>
+        </p:nvSpPr>
+        <p:spPr>
+          <a:xfrm>
+            <a:off x="4940300" y="6270966"/>
+            <a:ext cx="660400" cy="333034"/>
           </a:xfrm>
           <a:prstGeom prst="rect">
             <a:avLst/>
           </a:prstGeom>
           <a:solidFill>
-            <a:schemeClr val="accent2"/>
+            <a:schemeClr val="bg1"/>
           </a:solidFill>
           <a:ln>
-            <a:noFill/>
+            <a:solidFill>
+              <a:schemeClr val="bg1"/>
+            </a:solidFill>
           </a:ln>
         </p:spPr>
         <p:style>
@@ -4309,78 +4527,74 @@
           <a:bodyPr rtlCol="0" anchor="ctr"/>
           <a:lstStyle/>
           <a:p>
-            <a:pPr marL="0" marR="0" lvl="0" indent="0" algn="ctr" defTabSz="914400" rtl="0" eaLnBrk="1" fontAlgn="auto" latinLnBrk="0" hangingPunct="1">
-              <a:lnSpc>
-                <a:spcPct val="100000"/>
-              </a:lnSpc>
-              <a:spcBef>
-                <a:spcPts val="0"/>
-              </a:spcBef>
-              <a:spcAft>
-                <a:spcPts val="0"/>
-              </a:spcAft>
-              <a:buClrTx/>
-              <a:buSzTx/>
-              <a:buFontTx/>
-              <a:buNone/>
-              <a:tabLst/>
-              <a:defRPr/>
-            </a:pPr>
-            <a:endParaRPr kumimoji="0" lang="en-US" sz="1800" b="0" i="0" u="none" strike="noStrike" kern="1200" cap="none" spc="0" normalizeH="0" baseline="0" noProof="0">
-              <a:ln>
-                <a:noFill/>
-              </a:ln>
-              <a:solidFill>
-                <a:prstClr val="white"/>
-              </a:solidFill>
-              <a:effectLst/>
-              <a:uLnTx/>
-              <a:uFillTx/>
-              <a:latin typeface="Calibri" panose="020F0502020204030204"/>
-              <a:ea typeface="+mn-ea"/>
-              <a:cs typeface="+mn-cs"/>
-            </a:endParaRPr>
-          </a:p>
-        </p:txBody>
-      </p:sp>
-      <p:sp>
-        <p:nvSpPr>
-          <p:cNvPr id="26" name="Rectangle 25">
-            <a:extLst>
-              <a:ext uri="{FF2B5EF4-FFF2-40B4-BE49-F238E27FC236}">
-                <a16:creationId xmlns:a16="http://schemas.microsoft.com/office/drawing/2014/main" id="{56A3E26D-73B1-468C-B97B-BC1815959759}"/>
-              </a:ext>
-              <a:ext uri="{C183D7F6-B498-43B3-948B-1728B52AA6E4}">
-                <adec:decorative xmlns:adec="http://schemas.microsoft.com/office/drawing/2017/decorative" val="1"/>
-              </a:ext>
-            </a:extLst>
-          </p:cNvPr>
-          <p:cNvSpPr>
-            <a:spLocks noGrp="1" noRot="1" noChangeAspect="1" noMove="1" noResize="1" noEditPoints="1" noAdjustHandles="1" noChangeArrowheads="1" noChangeShapeType="1" noTextEdit="1"/>
-          </p:cNvSpPr>
-          <p:nvPr>
-            <p:extLst>
-              <p:ext uri="{386F3935-93C4-4BCD-93E2-E3B085C9AB24}">
-                <p16:designElem xmlns:p16="http://schemas.microsoft.com/office/powerpoint/2015/main" val="1"/>
-              </p:ext>
-            </p:extLst>
-          </p:nvPr>
-        </p:nvSpPr>
-        <p:spPr>
-          <a:xfrm>
-            <a:off x="548640" y="2712821"/>
-            <a:ext cx="3975945" cy="18288"/>
+            <a:pPr algn="ctr"/>
+            <a:endParaRPr lang="en-US"/>
+          </a:p>
+        </p:txBody>
+      </p:sp>
+      <p:sp>
+        <p:nvSpPr>
+          <p:cNvPr id="10" name="TextBox 9">
+            <a:extLst>
+              <a:ext uri="{FF2B5EF4-FFF2-40B4-BE49-F238E27FC236}">
+                <a16:creationId xmlns:a16="http://schemas.microsoft.com/office/drawing/2014/main" id="{609F665A-D97F-F0FB-8900-05D357A43E95}"/>
+              </a:ext>
+            </a:extLst>
+          </p:cNvPr>
+          <p:cNvSpPr txBox="1"/>
+          <p:nvPr/>
+        </p:nvSpPr>
+        <p:spPr>
+          <a:xfrm>
+            <a:off x="5012616" y="6270966"/>
+            <a:ext cx="733450" cy="276999"/>
+          </a:xfrm>
+          <a:prstGeom prst="rect">
+            <a:avLst/>
+          </a:prstGeom>
+          <a:noFill/>
+        </p:spPr>
+        <p:txBody>
+          <a:bodyPr wrap="square" rtlCol="0">
+            <a:spAutoFit/>
+          </a:bodyPr>
+          <a:lstStyle/>
+          <a:p>
+            <a:r>
+              <a:rPr lang="en-US" sz="1200" dirty="0"/>
+              <a:t>Survived</a:t>
+            </a:r>
+          </a:p>
+        </p:txBody>
+      </p:sp>
+      <p:sp>
+        <p:nvSpPr>
+          <p:cNvPr id="11" name="Rectangle 10">
+            <a:extLst>
+              <a:ext uri="{FF2B5EF4-FFF2-40B4-BE49-F238E27FC236}">
+                <a16:creationId xmlns:a16="http://schemas.microsoft.com/office/drawing/2014/main" id="{2F5DC91A-86F2-004D-7856-71834C15CAE5}"/>
+              </a:ext>
+            </a:extLst>
+          </p:cNvPr>
+          <p:cNvSpPr/>
+          <p:nvPr/>
+        </p:nvSpPr>
+        <p:spPr>
+          <a:xfrm>
+            <a:off x="381000" y="444500"/>
+            <a:ext cx="990600" cy="520700"/>
           </a:xfrm>
           <a:prstGeom prst="rect">
             <a:avLst/>
           </a:prstGeom>
           <a:solidFill>
-            <a:srgbClr val="D5D5D5"/>
+            <a:schemeClr val="bg1"/>
           </a:solidFill>
-          <a:ln w="3175">
-            <a:noFill/>
+          <a:ln>
+            <a:solidFill>
+              <a:schemeClr val="bg1"/>
+            </a:solidFill>
           </a:ln>
-          <a:effectLst/>
         </p:spPr>
         <p:style>
           <a:lnRef idx="2">
@@ -4402,46 +4616,17 @@
           <a:bodyPr rtlCol="0" anchor="ctr"/>
           <a:lstStyle/>
           <a:p>
-            <a:pPr marL="0" marR="0" lvl="0" indent="0" algn="ctr" defTabSz="914400" rtl="0" eaLnBrk="1" fontAlgn="auto" latinLnBrk="0" hangingPunct="1">
-              <a:lnSpc>
-                <a:spcPct val="100000"/>
-              </a:lnSpc>
-              <a:spcBef>
-                <a:spcPts val="0"/>
-              </a:spcBef>
-              <a:spcAft>
-                <a:spcPts val="0"/>
-              </a:spcAft>
-              <a:buClrTx/>
-              <a:buSzTx/>
-              <a:buFontTx/>
-              <a:buNone/>
-              <a:tabLst/>
-              <a:defRPr/>
-            </a:pPr>
-            <a:endParaRPr kumimoji="0" lang="en-US" sz="1800" b="0" i="0" u="none" strike="noStrike" kern="1200" cap="none" spc="0" normalizeH="0" baseline="0" noProof="0">
-              <a:ln>
-                <a:noFill/>
-              </a:ln>
-              <a:solidFill>
-                <a:prstClr val="white"/>
-              </a:solidFill>
-              <a:effectLst/>
-              <a:uLnTx/>
-              <a:uFillTx/>
-              <a:latin typeface="Calibri" panose="020F0502020204030204"/>
-              <a:ea typeface="+mn-ea"/>
-              <a:cs typeface="+mn-cs"/>
-            </a:endParaRPr>
-          </a:p>
-        </p:txBody>
-      </p:sp>
-      <p:sp>
-        <p:nvSpPr>
-          <p:cNvPr id="2" name="TextBox 1">
-            <a:extLst>
-              <a:ext uri="{FF2B5EF4-FFF2-40B4-BE49-F238E27FC236}">
-                <a16:creationId xmlns:a16="http://schemas.microsoft.com/office/drawing/2014/main" id="{525C9128-C3BB-A51C-F4FA-6A0B72B44E3C}"/>
+            <a:pPr algn="ctr"/>
+            <a:endParaRPr lang="en-US"/>
+          </a:p>
+        </p:txBody>
+      </p:sp>
+      <p:sp>
+        <p:nvSpPr>
+          <p:cNvPr id="14" name="TextBox 13">
+            <a:extLst>
+              <a:ext uri="{FF2B5EF4-FFF2-40B4-BE49-F238E27FC236}">
+                <a16:creationId xmlns:a16="http://schemas.microsoft.com/office/drawing/2014/main" id="{CB9A5214-7F5C-192D-0510-2CDA54D474EA}"/>
               </a:ext>
             </a:extLst>
           </p:cNvPr>
@@ -4450,20 +4635,56 @@
         </p:nvSpPr>
         <p:spPr>
           <a:xfrm>
-            <a:off x="215475" y="2361566"/>
-            <a:ext cx="4114800" cy="3245804"/>
+            <a:off x="918086" y="518907"/>
+            <a:ext cx="1451038" cy="830997"/>
           </a:xfrm>
           <a:prstGeom prst="rect">
             <a:avLst/>
           </a:prstGeom>
-        </p:spPr>
-        <p:txBody>
-          <a:bodyPr vert="horz" lIns="91440" tIns="45720" rIns="91440" bIns="45720" rtlCol="0">
-            <a:normAutofit/>
+          <a:noFill/>
+        </p:spPr>
+        <p:txBody>
+          <a:bodyPr wrap="none" rtlCol="0">
+            <a:spAutoFit/>
           </a:bodyPr>
           <a:lstStyle/>
           <a:p>
-            <a:pPr indent="-228600">
+            <a:r>
+              <a:rPr lang="en-US" sz="4800" b="1" dirty="0"/>
+              <a:t>Plots</a:t>
+            </a:r>
+          </a:p>
+        </p:txBody>
+      </p:sp>
+      <p:sp>
+        <p:nvSpPr>
+          <p:cNvPr id="16" name="TextBox 15">
+            <a:extLst>
+              <a:ext uri="{FF2B5EF4-FFF2-40B4-BE49-F238E27FC236}">
+                <a16:creationId xmlns:a16="http://schemas.microsoft.com/office/drawing/2014/main" id="{2722477E-2410-FC50-1171-9F540B860C9F}"/>
+              </a:ext>
+            </a:extLst>
+          </p:cNvPr>
+          <p:cNvSpPr txBox="1"/>
+          <p:nvPr/>
+        </p:nvSpPr>
+        <p:spPr>
+          <a:xfrm>
+            <a:off x="3603657" y="1179088"/>
+            <a:ext cx="1666843" cy="341632"/>
+          </a:xfrm>
+          <a:prstGeom prst="rect">
+            <a:avLst/>
+          </a:prstGeom>
+          <a:noFill/>
+        </p:spPr>
+        <p:txBody>
+          <a:bodyPr wrap="square">
+            <a:spAutoFit/>
+          </a:bodyPr>
+          <a:lstStyle/>
+          <a:p>
+            <a:pPr>
               <a:lnSpc>
                 <a:spcPct val="90000"/>
               </a:lnSpc>
@@ -4473,24 +4694,43 @@
               <a:spcAft>
                 <a:spcPts val="600"/>
               </a:spcAft>
-              <a:buFont typeface="Arial" panose="020B0604020202020204" pitchFamily="34" charset="0"/>
-              <a:buChar char="•"/>
             </a:pPr>
             <a:r>
-              <a:rPr lang="en-US" sz="2000" b="1" dirty="0">
-                <a:effectLst>
-                  <a:outerShdw blurRad="38100" dist="38100" dir="2700000" algn="tl">
-                    <a:srgbClr val="000000">
-                      <a:alpha val="43137"/>
-                    </a:srgbClr>
-                  </a:outerShdw>
-                </a:effectLst>
-              </a:rPr>
-              <a:t>Survivability upon:</a:t>
-            </a:r>
-          </a:p>
-          <a:p>
-            <a:pPr marL="742950" indent="-228600">
+              <a:rPr lang="en-US" b="1" dirty="0"/>
+              <a:t>Passenger Class</a:t>
+            </a:r>
+          </a:p>
+        </p:txBody>
+      </p:sp>
+      <p:sp>
+        <p:nvSpPr>
+          <p:cNvPr id="17" name="TextBox 16">
+            <a:extLst>
+              <a:ext uri="{FF2B5EF4-FFF2-40B4-BE49-F238E27FC236}">
+                <a16:creationId xmlns:a16="http://schemas.microsoft.com/office/drawing/2014/main" id="{2029E704-56E5-4C80-5CEB-A9CAD5BF9C3C}"/>
+              </a:ext>
+            </a:extLst>
+          </p:cNvPr>
+          <p:cNvSpPr txBox="1"/>
+          <p:nvPr/>
+        </p:nvSpPr>
+        <p:spPr>
+          <a:xfrm>
+            <a:off x="9367152" y="1179088"/>
+            <a:ext cx="760524" cy="341632"/>
+          </a:xfrm>
+          <a:prstGeom prst="rect">
+            <a:avLst/>
+          </a:prstGeom>
+          <a:noFill/>
+        </p:spPr>
+        <p:txBody>
+          <a:bodyPr wrap="square">
+            <a:spAutoFit/>
+          </a:bodyPr>
+          <a:lstStyle/>
+          <a:p>
+            <a:pPr>
               <a:lnSpc>
                 <a:spcPct val="90000"/>
               </a:lnSpc>
@@ -4500,17 +4740,43 @@
               <a:spcAft>
                 <a:spcPts val="600"/>
               </a:spcAft>
-              <a:buFont typeface="Arial" panose="020B0604020202020204" pitchFamily="34" charset="0"/>
-              <a:buChar char="•"/>
             </a:pPr>
             <a:r>
-              <a:rPr lang="en-US" b="1" dirty="0" err="1"/>
-              <a:t>Pclass</a:t>
-            </a:r>
-            <a:endParaRPr lang="en-US" b="1" dirty="0"/>
-          </a:p>
-          <a:p>
-            <a:pPr marL="742950" indent="-228600">
+              <a:rPr lang="en-US" b="1" dirty="0"/>
+              <a:t>Sex</a:t>
+            </a:r>
+          </a:p>
+        </p:txBody>
+      </p:sp>
+      <p:sp>
+        <p:nvSpPr>
+          <p:cNvPr id="18" name="TextBox 17">
+            <a:extLst>
+              <a:ext uri="{FF2B5EF4-FFF2-40B4-BE49-F238E27FC236}">
+                <a16:creationId xmlns:a16="http://schemas.microsoft.com/office/drawing/2014/main" id="{22067566-830E-B234-30B7-5736D7C7FAF7}"/>
+              </a:ext>
+            </a:extLst>
+          </p:cNvPr>
+          <p:cNvSpPr txBox="1"/>
+          <p:nvPr/>
+        </p:nvSpPr>
+        <p:spPr>
+          <a:xfrm>
+            <a:off x="4899172" y="4296913"/>
+            <a:ext cx="660401" cy="341632"/>
+          </a:xfrm>
+          <a:prstGeom prst="rect">
+            <a:avLst/>
+          </a:prstGeom>
+          <a:noFill/>
+        </p:spPr>
+        <p:txBody>
+          <a:bodyPr wrap="square">
+            <a:spAutoFit/>
+          </a:bodyPr>
+          <a:lstStyle/>
+          <a:p>
+            <a:pPr>
               <a:lnSpc>
                 <a:spcPct val="90000"/>
               </a:lnSpc>
@@ -4520,16 +4786,43 @@
               <a:spcAft>
                 <a:spcPts val="600"/>
               </a:spcAft>
-              <a:buFont typeface="Arial" panose="020B0604020202020204" pitchFamily="34" charset="0"/>
-              <a:buChar char="•"/>
             </a:pPr>
             <a:r>
               <a:rPr lang="en-US" b="1" dirty="0"/>
-              <a:t>Sex</a:t>
-            </a:r>
-          </a:p>
-          <a:p>
-            <a:pPr marL="742950" indent="-228600">
+              <a:t>Age</a:t>
+            </a:r>
+          </a:p>
+        </p:txBody>
+      </p:sp>
+      <p:sp>
+        <p:nvSpPr>
+          <p:cNvPr id="19" name="TextBox 18">
+            <a:extLst>
+              <a:ext uri="{FF2B5EF4-FFF2-40B4-BE49-F238E27FC236}">
+                <a16:creationId xmlns:a16="http://schemas.microsoft.com/office/drawing/2014/main" id="{7220FD16-FE4B-6D15-1BA4-0A865172922F}"/>
+              </a:ext>
+            </a:extLst>
+          </p:cNvPr>
+          <p:cNvSpPr txBox="1"/>
+          <p:nvPr/>
+        </p:nvSpPr>
+        <p:spPr>
+          <a:xfrm>
+            <a:off x="9367152" y="4296913"/>
+            <a:ext cx="1560943" cy="341632"/>
+          </a:xfrm>
+          <a:prstGeom prst="rect">
+            <a:avLst/>
+          </a:prstGeom>
+          <a:noFill/>
+        </p:spPr>
+        <p:txBody>
+          <a:bodyPr wrap="square">
+            <a:spAutoFit/>
+          </a:bodyPr>
+          <a:lstStyle/>
+          <a:p>
+            <a:pPr>
               <a:lnSpc>
                 <a:spcPct val="90000"/>
               </a:lnSpc>
@@ -4539,415 +4832,18 @@
               <a:spcAft>
                 <a:spcPts val="600"/>
               </a:spcAft>
-              <a:buFont typeface="Arial" panose="020B0604020202020204" pitchFamily="34" charset="0"/>
-              <a:buChar char="•"/>
-            </a:pPr>
-            <a:r>
-              <a:rPr lang="en-US" b="1" dirty="0"/>
-              <a:t>Age</a:t>
-            </a:r>
-          </a:p>
-          <a:p>
-            <a:pPr marL="742950" indent="-228600">
-              <a:lnSpc>
-                <a:spcPct val="90000"/>
-              </a:lnSpc>
-              <a:spcBef>
-                <a:spcPct val="0"/>
-              </a:spcBef>
-              <a:spcAft>
-                <a:spcPts val="600"/>
-              </a:spcAft>
-              <a:buFont typeface="Arial" panose="020B0604020202020204" pitchFamily="34" charset="0"/>
-              <a:buChar char="•"/>
             </a:pPr>
             <a:r>
               <a:rPr lang="en-US" b="1" dirty="0"/>
               <a:t>Cabin Present</a:t>
             </a:r>
-          </a:p>
-        </p:txBody>
-      </p:sp>
-      <p:pic>
-        <p:nvPicPr>
-          <p:cNvPr id="4" name="Picture 3" descr="Chart, bar chart&#10;&#10;Description automatically generated">
-            <a:extLst>
-              <a:ext uri="{FF2B5EF4-FFF2-40B4-BE49-F238E27FC236}">
-                <a16:creationId xmlns:a16="http://schemas.microsoft.com/office/drawing/2014/main" id="{7F9840DA-698E-6F9D-9589-027A58138C75}"/>
-              </a:ext>
-            </a:extLst>
-          </p:cNvPr>
-          <p:cNvPicPr>
-            <a:picLocks noChangeAspect="1"/>
-          </p:cNvPicPr>
-          <p:nvPr/>
-        </p:nvPicPr>
-        <p:blipFill>
-          <a:blip r:embed="rId2">
-            <a:extLst>
-              <a:ext uri="{28A0092B-C50C-407E-A947-70E740481C1C}">
-                <a14:useLocalDpi xmlns:a14="http://schemas.microsoft.com/office/drawing/2010/main" val="0"/>
-              </a:ext>
-            </a:extLst>
-          </a:blip>
-          <a:stretch>
-            <a:fillRect/>
-          </a:stretch>
-        </p:blipFill>
-        <p:spPr>
-          <a:xfrm>
-            <a:off x="3103083" y="824462"/>
-            <a:ext cx="4252580" cy="2774808"/>
-          </a:xfrm>
-          <a:prstGeom prst="rect">
-            <a:avLst/>
-          </a:prstGeom>
-        </p:spPr>
-      </p:pic>
-      <p:pic>
-        <p:nvPicPr>
-          <p:cNvPr id="6" name="Picture 5" descr="Chart, bar chart&#10;&#10;Description automatically generated">
-            <a:extLst>
-              <a:ext uri="{FF2B5EF4-FFF2-40B4-BE49-F238E27FC236}">
-                <a16:creationId xmlns:a16="http://schemas.microsoft.com/office/drawing/2014/main" id="{D9FF6A33-F685-BC32-2CF1-33528650DC11}"/>
-              </a:ext>
-            </a:extLst>
-          </p:cNvPr>
-          <p:cNvPicPr>
-            <a:picLocks noChangeAspect="1"/>
-          </p:cNvPicPr>
-          <p:nvPr/>
-        </p:nvPicPr>
-        <p:blipFill>
-          <a:blip r:embed="rId3">
-            <a:extLst>
-              <a:ext uri="{28A0092B-C50C-407E-A947-70E740481C1C}">
-                <a14:useLocalDpi xmlns:a14="http://schemas.microsoft.com/office/drawing/2010/main" val="0"/>
-              </a:ext>
-            </a:extLst>
-          </a:blip>
-          <a:stretch>
-            <a:fillRect/>
-          </a:stretch>
-        </p:blipFill>
-        <p:spPr>
-          <a:xfrm>
-            <a:off x="7627668" y="824462"/>
-            <a:ext cx="4234557" cy="2752462"/>
-          </a:xfrm>
-          <a:prstGeom prst="rect">
-            <a:avLst/>
-          </a:prstGeom>
-        </p:spPr>
-      </p:pic>
-      <p:pic>
-        <p:nvPicPr>
-          <p:cNvPr id="3" name="Picture 2" descr="Chart, bar chart, waterfall chart&#10;&#10;Description automatically generated">
-            <a:extLst>
-              <a:ext uri="{FF2B5EF4-FFF2-40B4-BE49-F238E27FC236}">
-                <a16:creationId xmlns:a16="http://schemas.microsoft.com/office/drawing/2014/main" id="{8DAE4FF3-42D0-511D-E089-C154FFC6BEB3}"/>
-              </a:ext>
-            </a:extLst>
-          </p:cNvPr>
-          <p:cNvPicPr>
-            <a:picLocks noChangeAspect="1"/>
-          </p:cNvPicPr>
-          <p:nvPr/>
-        </p:nvPicPr>
-        <p:blipFill>
-          <a:blip r:embed="rId4">
-            <a:extLst>
-              <a:ext uri="{28A0092B-C50C-407E-A947-70E740481C1C}">
-                <a14:useLocalDpi xmlns:a14="http://schemas.microsoft.com/office/drawing/2010/main" val="0"/>
-              </a:ext>
-            </a:extLst>
-          </a:blip>
-          <a:stretch>
-            <a:fillRect/>
-          </a:stretch>
-        </p:blipFill>
-        <p:spPr>
-          <a:xfrm>
-            <a:off x="7477158" y="3850410"/>
-            <a:ext cx="4593347" cy="2445956"/>
-          </a:xfrm>
-          <a:prstGeom prst="rect">
-            <a:avLst/>
-          </a:prstGeom>
-        </p:spPr>
-      </p:pic>
-      <p:pic>
-        <p:nvPicPr>
-          <p:cNvPr id="5" name="Picture 4" descr="Chart&#10;&#10;Description automatically generated">
-            <a:extLst>
-              <a:ext uri="{FF2B5EF4-FFF2-40B4-BE49-F238E27FC236}">
-                <a16:creationId xmlns:a16="http://schemas.microsoft.com/office/drawing/2014/main" id="{EF227C43-0CDC-6B7F-F461-1F4818C1E7CB}"/>
-              </a:ext>
-            </a:extLst>
-          </p:cNvPr>
-          <p:cNvPicPr>
-            <a:picLocks noChangeAspect="1"/>
-          </p:cNvPicPr>
-          <p:nvPr/>
-        </p:nvPicPr>
-        <p:blipFill>
-          <a:blip r:embed="rId5">
-            <a:extLst>
-              <a:ext uri="{28A0092B-C50C-407E-A947-70E740481C1C}">
-                <a14:useLocalDpi xmlns:a14="http://schemas.microsoft.com/office/drawing/2010/main" val="0"/>
-              </a:ext>
-            </a:extLst>
-          </a:blip>
-          <a:stretch>
-            <a:fillRect/>
-          </a:stretch>
-        </p:blipFill>
-        <p:spPr>
-          <a:xfrm>
-            <a:off x="2944598" y="4001488"/>
-            <a:ext cx="4411065" cy="2381974"/>
-          </a:xfrm>
-          <a:prstGeom prst="rect">
-            <a:avLst/>
-          </a:prstGeom>
-        </p:spPr>
-      </p:pic>
-      <p:sp>
-        <p:nvSpPr>
-          <p:cNvPr id="8" name="Rectangle 7">
-            <a:extLst>
-              <a:ext uri="{FF2B5EF4-FFF2-40B4-BE49-F238E27FC236}">
-                <a16:creationId xmlns:a16="http://schemas.microsoft.com/office/drawing/2014/main" id="{CD3F9B8E-5497-E619-97F0-3538B5FFECF5}"/>
-              </a:ext>
-            </a:extLst>
-          </p:cNvPr>
-          <p:cNvSpPr/>
-          <p:nvPr/>
-        </p:nvSpPr>
-        <p:spPr>
-          <a:xfrm>
-            <a:off x="2855698" y="5022588"/>
-            <a:ext cx="158485" cy="274541"/>
-          </a:xfrm>
-          <a:prstGeom prst="rect">
-            <a:avLst/>
-          </a:prstGeom>
-          <a:solidFill>
-            <a:schemeClr val="bg1"/>
-          </a:solidFill>
-          <a:ln>
-            <a:solidFill>
-              <a:schemeClr val="bg1"/>
-            </a:solidFill>
-          </a:ln>
-        </p:spPr>
-        <p:style>
-          <a:lnRef idx="2">
-            <a:schemeClr val="accent1">
-              <a:shade val="50000"/>
-            </a:schemeClr>
-          </a:lnRef>
-          <a:fillRef idx="1">
-            <a:schemeClr val="accent1"/>
-          </a:fillRef>
-          <a:effectRef idx="0">
-            <a:schemeClr val="accent1"/>
-          </a:effectRef>
-          <a:fontRef idx="minor">
-            <a:schemeClr val="lt1"/>
-          </a:fontRef>
-        </p:style>
-        <p:txBody>
-          <a:bodyPr rtlCol="0" anchor="ctr"/>
-          <a:lstStyle/>
-          <a:p>
-            <a:pPr algn="ctr"/>
-            <a:endParaRPr lang="en-US"/>
-          </a:p>
-        </p:txBody>
-      </p:sp>
-      <p:sp>
-        <p:nvSpPr>
-          <p:cNvPr id="7" name="TextBox 6">
-            <a:extLst>
-              <a:ext uri="{FF2B5EF4-FFF2-40B4-BE49-F238E27FC236}">
-                <a16:creationId xmlns:a16="http://schemas.microsoft.com/office/drawing/2014/main" id="{4A91B3ED-F146-D411-51DD-F6EF90827917}"/>
-              </a:ext>
-            </a:extLst>
-          </p:cNvPr>
-          <p:cNvSpPr txBox="1"/>
-          <p:nvPr/>
-        </p:nvSpPr>
-        <p:spPr>
-          <a:xfrm rot="16200000">
-            <a:off x="2650416" y="4998388"/>
-            <a:ext cx="422231" cy="276999"/>
-          </a:xfrm>
-          <a:prstGeom prst="rect">
-            <a:avLst/>
-          </a:prstGeom>
-          <a:noFill/>
-        </p:spPr>
-        <p:txBody>
-          <a:bodyPr wrap="none" rtlCol="0">
-            <a:spAutoFit/>
-          </a:bodyPr>
-          <a:lstStyle/>
-          <a:p>
-            <a:r>
-              <a:rPr lang="en-US" sz="1200" dirty="0"/>
-              <a:t>Age</a:t>
-            </a:r>
-          </a:p>
-        </p:txBody>
-      </p:sp>
-      <p:sp>
-        <p:nvSpPr>
-          <p:cNvPr id="53" name="Rectangle 52">
-            <a:extLst>
-              <a:ext uri="{FF2B5EF4-FFF2-40B4-BE49-F238E27FC236}">
-                <a16:creationId xmlns:a16="http://schemas.microsoft.com/office/drawing/2014/main" id="{AE67B15B-B8F9-0502-82A4-CF487CDD2647}"/>
-              </a:ext>
-            </a:extLst>
-          </p:cNvPr>
-          <p:cNvSpPr/>
-          <p:nvPr/>
-        </p:nvSpPr>
-        <p:spPr>
-          <a:xfrm>
-            <a:off x="4940300" y="6270966"/>
-            <a:ext cx="660400" cy="333034"/>
-          </a:xfrm>
-          <a:prstGeom prst="rect">
-            <a:avLst/>
-          </a:prstGeom>
-          <a:solidFill>
-            <a:schemeClr val="bg1"/>
-          </a:solidFill>
-          <a:ln>
-            <a:solidFill>
-              <a:schemeClr val="bg1"/>
-            </a:solidFill>
-          </a:ln>
-        </p:spPr>
-        <p:style>
-          <a:lnRef idx="2">
-            <a:schemeClr val="accent1">
-              <a:shade val="50000"/>
-            </a:schemeClr>
-          </a:lnRef>
-          <a:fillRef idx="1">
-            <a:schemeClr val="accent1"/>
-          </a:fillRef>
-          <a:effectRef idx="0">
-            <a:schemeClr val="accent1"/>
-          </a:effectRef>
-          <a:fontRef idx="minor">
-            <a:schemeClr val="lt1"/>
-          </a:fontRef>
-        </p:style>
-        <p:txBody>
-          <a:bodyPr rtlCol="0" anchor="ctr"/>
-          <a:lstStyle/>
-          <a:p>
-            <a:pPr algn="ctr"/>
-            <a:endParaRPr lang="en-US"/>
-          </a:p>
-        </p:txBody>
-      </p:sp>
-      <p:sp>
-        <p:nvSpPr>
-          <p:cNvPr id="9" name="TextBox 8">
-            <a:extLst>
-              <a:ext uri="{FF2B5EF4-FFF2-40B4-BE49-F238E27FC236}">
-                <a16:creationId xmlns:a16="http://schemas.microsoft.com/office/drawing/2014/main" id="{E5849A05-A194-5B25-9544-3E8B635CB744}"/>
-              </a:ext>
-            </a:extLst>
-          </p:cNvPr>
-          <p:cNvSpPr txBox="1"/>
-          <p:nvPr/>
-        </p:nvSpPr>
-        <p:spPr>
-          <a:xfrm>
-            <a:off x="5012616" y="6270966"/>
-            <a:ext cx="733450" cy="276999"/>
-          </a:xfrm>
-          <a:prstGeom prst="rect">
-            <a:avLst/>
-          </a:prstGeom>
-          <a:noFill/>
-        </p:spPr>
-        <p:txBody>
-          <a:bodyPr wrap="square" rtlCol="0">
-            <a:spAutoFit/>
-          </a:bodyPr>
-          <a:lstStyle/>
-          <a:p>
-            <a:r>
-              <a:rPr lang="en-US" sz="1200" dirty="0"/>
-              <a:t>Survived</a:t>
-            </a:r>
-          </a:p>
-        </p:txBody>
-      </p:sp>
-      <p:sp>
-        <p:nvSpPr>
-          <p:cNvPr id="55" name="Rectangle 54">
-            <a:extLst>
-              <a:ext uri="{FF2B5EF4-FFF2-40B4-BE49-F238E27FC236}">
-                <a16:creationId xmlns:a16="http://schemas.microsoft.com/office/drawing/2014/main" id="{4F2C0D60-28C3-8D05-016D-0F1EEAA471A0}"/>
-              </a:ext>
-            </a:extLst>
-          </p:cNvPr>
-          <p:cNvSpPr/>
-          <p:nvPr/>
-        </p:nvSpPr>
-        <p:spPr>
-          <a:xfrm>
-            <a:off x="381000" y="444500"/>
-            <a:ext cx="990600" cy="520700"/>
-          </a:xfrm>
-          <a:prstGeom prst="rect">
-            <a:avLst/>
-          </a:prstGeom>
-          <a:solidFill>
-            <a:schemeClr val="bg1"/>
-          </a:solidFill>
-          <a:ln>
-            <a:solidFill>
-              <a:schemeClr val="bg1"/>
-            </a:solidFill>
-          </a:ln>
-        </p:spPr>
-        <p:style>
-          <a:lnRef idx="2">
-            <a:schemeClr val="accent1">
-              <a:shade val="50000"/>
-            </a:schemeClr>
-          </a:lnRef>
-          <a:fillRef idx="1">
-            <a:schemeClr val="accent1"/>
-          </a:fillRef>
-          <a:effectRef idx="0">
-            <a:schemeClr val="accent1"/>
-          </a:effectRef>
-          <a:fontRef idx="minor">
-            <a:schemeClr val="lt1"/>
-          </a:fontRef>
-        </p:style>
-        <p:txBody>
-          <a:bodyPr rtlCol="0" anchor="ctr"/>
-          <a:lstStyle/>
-          <a:p>
-            <a:pPr algn="ctr"/>
-            <a:endParaRPr lang="en-US"/>
           </a:p>
         </p:txBody>
       </p:sp>
     </p:spTree>
     <p:extLst>
       <p:ext uri="{BB962C8B-B14F-4D97-AF65-F5344CB8AC3E}">
-        <p14:creationId xmlns:p14="http://schemas.microsoft.com/office/powerpoint/2010/main" val="1054963683"/>
+        <p14:creationId xmlns:p14="http://schemas.microsoft.com/office/powerpoint/2010/main" val="3999501530"/>
       </p:ext>
     </p:extLst>
   </p:cSld>
@@ -5002,7 +4898,6 @@
           </a:bodyPr>
           <a:lstStyle/>
           <a:p>
-            <a:pPr algn="ctr"/>
             <a:r>
               <a:rPr lang="en-US" sz="4800" b="1" dirty="0"/>
               <a:t>Principle Component Analysis</a:t>
@@ -5121,7 +5016,7 @@
         <p:spPr>
           <a:xfrm>
             <a:off x="614684" y="360538"/>
-            <a:ext cx="7550465" cy="830997"/>
+            <a:ext cx="11189858" cy="830997"/>
           </a:xfrm>
           <a:prstGeom prst="rect">
             <a:avLst/>
@@ -5134,10 +5029,9 @@
           </a:bodyPr>
           <a:lstStyle/>
           <a:p>
-            <a:pPr algn="ctr"/>
             <a:r>
               <a:rPr lang="en-US" sz="4800" b="1" dirty="0"/>
-              <a:t>Model 1: K-Means Clustering</a:t>
+              <a:t>Model 1: Unsupervised K-Means Clustering</a:t>
             </a:r>
           </a:p>
         </p:txBody>
@@ -5247,7 +5141,7 @@
         <p:spPr>
           <a:xfrm>
             <a:off x="627421" y="360538"/>
-            <a:ext cx="4095993" cy="830997"/>
+            <a:ext cx="7735387" cy="830997"/>
           </a:xfrm>
           <a:prstGeom prst="rect">
             <a:avLst/>
@@ -5260,10 +5154,9 @@
           </a:bodyPr>
           <a:lstStyle/>
           <a:p>
-            <a:pPr algn="ctr"/>
             <a:r>
               <a:rPr lang="en-US" sz="4800" b="1" dirty="0"/>
-              <a:t>Model 2: T-SNE</a:t>
+              <a:t>Model 2: Unsupervised T-SNE</a:t>
             </a:r>
           </a:p>
         </p:txBody>
@@ -5332,6 +5225,145 @@
     <p:extLst>
       <p:ext uri="{BB962C8B-B14F-4D97-AF65-F5344CB8AC3E}">
         <p14:creationId xmlns:p14="http://schemas.microsoft.com/office/powerpoint/2010/main" val="1265545756"/>
+      </p:ext>
+    </p:extLst>
+  </p:cSld>
+  <p:clrMapOvr>
+    <a:masterClrMapping/>
+  </p:clrMapOvr>
+</p:sld>
+</file>
+
+<file path=ppt/slides/slide9.xml><?xml version="1.0" encoding="utf-8"?>
+<p:sld xmlns:a="http://schemas.openxmlformats.org/drawingml/2006/main" xmlns:r="http://schemas.openxmlformats.org/officeDocument/2006/relationships" xmlns:p="http://schemas.openxmlformats.org/presentationml/2006/main">
+  <p:cSld>
+    <p:bg>
+      <p:bgPr>
+        <a:solidFill>
+          <a:schemeClr val="bg1"/>
+        </a:solidFill>
+        <a:effectLst/>
+      </p:bgPr>
+    </p:bg>
+    <p:spTree>
+      <p:nvGrpSpPr>
+        <p:cNvPr id="1" name=""/>
+        <p:cNvGrpSpPr/>
+        <p:nvPr/>
+      </p:nvGrpSpPr>
+      <p:grpSpPr>
+        <a:xfrm>
+          <a:off x="0" y="0"/>
+          <a:ext cx="0" cy="0"/>
+          <a:chOff x="0" y="0"/>
+          <a:chExt cx="0" cy="0"/>
+        </a:xfrm>
+      </p:grpSpPr>
+      <p:pic>
+        <p:nvPicPr>
+          <p:cNvPr id="3" name="Picture 2" descr="Chart&#10;&#10;Description automatically generated">
+            <a:extLst>
+              <a:ext uri="{FF2B5EF4-FFF2-40B4-BE49-F238E27FC236}">
+                <a16:creationId xmlns:a16="http://schemas.microsoft.com/office/drawing/2014/main" id="{62373DD0-1244-E2DF-371D-5DA5BA937AE2}"/>
+              </a:ext>
+            </a:extLst>
+          </p:cNvPr>
+          <p:cNvPicPr>
+            <a:picLocks noChangeAspect="1"/>
+          </p:cNvPicPr>
+          <p:nvPr/>
+        </p:nvPicPr>
+        <p:blipFill>
+          <a:blip r:embed="rId2"/>
+          <a:stretch>
+            <a:fillRect/>
+          </a:stretch>
+        </p:blipFill>
+        <p:spPr>
+          <a:xfrm>
+            <a:off x="643467" y="1985783"/>
+            <a:ext cx="10905066" cy="3380570"/>
+          </a:xfrm>
+          <a:prstGeom prst="rect">
+            <a:avLst/>
+          </a:prstGeom>
+        </p:spPr>
+      </p:pic>
+      <p:sp>
+        <p:nvSpPr>
+          <p:cNvPr id="6" name="TextBox 5">
+            <a:extLst>
+              <a:ext uri="{FF2B5EF4-FFF2-40B4-BE49-F238E27FC236}">
+                <a16:creationId xmlns:a16="http://schemas.microsoft.com/office/drawing/2014/main" id="{FF19ACFC-80DE-9C19-3FE2-5F5D910D0F5B}"/>
+              </a:ext>
+            </a:extLst>
+          </p:cNvPr>
+          <p:cNvSpPr txBox="1"/>
+          <p:nvPr/>
+        </p:nvSpPr>
+        <p:spPr>
+          <a:xfrm>
+            <a:off x="652718" y="360538"/>
+            <a:ext cx="9846991" cy="830997"/>
+          </a:xfrm>
+          <a:prstGeom prst="rect">
+            <a:avLst/>
+          </a:prstGeom>
+          <a:noFill/>
+        </p:spPr>
+        <p:txBody>
+          <a:bodyPr wrap="none" rtlCol="0">
+            <a:spAutoFit/>
+          </a:bodyPr>
+          <a:lstStyle/>
+          <a:p>
+            <a:r>
+              <a:rPr lang="en-US" sz="4800" b="1" dirty="0"/>
+              <a:t>Model 3: Supervised ML (LR, RF, SVM)</a:t>
+            </a:r>
+          </a:p>
+        </p:txBody>
+      </p:sp>
+      <p:sp>
+        <p:nvSpPr>
+          <p:cNvPr id="7" name="TextBox 6">
+            <a:extLst>
+              <a:ext uri="{FF2B5EF4-FFF2-40B4-BE49-F238E27FC236}">
+                <a16:creationId xmlns:a16="http://schemas.microsoft.com/office/drawing/2014/main" id="{973C98A9-F888-90BE-02CA-7E296558609F}"/>
+              </a:ext>
+            </a:extLst>
+          </p:cNvPr>
+          <p:cNvSpPr txBox="1"/>
+          <p:nvPr/>
+        </p:nvSpPr>
+        <p:spPr>
+          <a:xfrm>
+            <a:off x="2871562" y="5912687"/>
+            <a:ext cx="5409301" cy="584775"/>
+          </a:xfrm>
+          <a:prstGeom prst="rect">
+            <a:avLst/>
+          </a:prstGeom>
+          <a:noFill/>
+        </p:spPr>
+        <p:txBody>
+          <a:bodyPr wrap="none" rtlCol="0">
+            <a:spAutoFit/>
+          </a:bodyPr>
+          <a:lstStyle/>
+          <a:p>
+            <a:pPr algn="ctr"/>
+            <a:r>
+              <a:rPr lang="en-US" sz="3200" dirty="0"/>
+              <a:t>Accuracy Score: 83%, 81%, 85%</a:t>
+            </a:r>
+          </a:p>
+        </p:txBody>
+      </p:sp>
+    </p:spTree>
+    <p:extLst>
+      <p:ext uri="{BB962C8B-B14F-4D97-AF65-F5344CB8AC3E}">
+        <p14:creationId xmlns:p14="http://schemas.microsoft.com/office/powerpoint/2010/main" val="1273646910"/>
       </p:ext>
     </p:extLst>
   </p:cSld>
